--- a/Azure SDK.pptx
+++ b/Azure SDK.pptx
@@ -218,7 +218,7 @@
           <a:p>
             <a:fld id="{32AF8DFE-3F9E-4E76-8DEB-FC1A7CECE63A}" type="datetimeFigureOut">
               <a:rPr lang="en-US" smtClean="0"/>
-              <a:t>11/9/2016</a:t>
+              <a:t>4/22/2017</a:t>
             </a:fld>
             <a:endParaRPr lang="en-US"/>
           </a:p>
@@ -2425,7 +2425,6 @@
               <a:rPr lang="en-US" dirty="0"/>
               <a:t>Azure Tools for Visual Studio (Azure SDK for .NET 2.9.5) </a:t>
             </a:r>
-            <a:endParaRPr lang="en-US" dirty="0"/>
           </a:p>
         </p:txBody>
       </p:sp>
@@ -4543,13 +4542,13 @@
         </p:nvSpPr>
         <p:spPr>
           <a:xfrm>
-            <a:off x="193271" y="5132437"/>
-            <a:ext cx="4262615" cy="1460779"/>
+            <a:off x="193271" y="5054991"/>
+            <a:ext cx="5082114" cy="1739863"/>
           </a:xfrm>
         </p:spPr>
         <p:txBody>
           <a:bodyPr>
-            <a:normAutofit fontScale="77500" lnSpcReduction="20000"/>
+            <a:normAutofit fontScale="70000" lnSpcReduction="20000"/>
           </a:bodyPr>
           <a:lstStyle/>
           <a:p>
@@ -4578,9 +4577,32 @@
           </a:p>
           <a:p>
             <a:r>
+              <a:rPr lang="en-US" dirty="0">
+                <a:hlinkClick r:id="rId2"/>
+              </a:rPr>
+              <a:t>evilazaro@outlook.com</a:t>
+            </a:r>
+            <a:endParaRPr lang="en-US" dirty="0"/>
+          </a:p>
+          <a:p>
+            <a:r>
+              <a:rPr lang="en-US" dirty="0">
+                <a:hlinkClick r:id="rId3"/>
+              </a:rPr>
+              <a:t>www.evilazaro.com.br</a:t>
+            </a:r>
+            <a:endParaRPr lang="en-US" dirty="0"/>
+          </a:p>
+          <a:p>
+            <a:r>
               <a:rPr lang="en-US" dirty="0"/>
-              <a:t>evilazaro@outlook.com</a:t>
-            </a:r>
+              <a:t>@</a:t>
+            </a:r>
+            <a:r>
+              <a:rPr lang="en-US" dirty="0" err="1"/>
+              <a:t>evilazaro</a:t>
+            </a:r>
+            <a:endParaRPr lang="en-US" dirty="0"/>
           </a:p>
         </p:txBody>
       </p:sp>
@@ -4601,7 +4623,7 @@
           <a:p>
             <a:r>
               <a:rPr lang="en-US" dirty="0"/>
-              <a:t>Azure Tools for Visual Studio (Azure SDK for .NET 2.9.5) </a:t>
+              <a:t>Azure Tools for Visual Studio (Azure SDK for .NET) </a:t>
             </a:r>
           </a:p>
         </p:txBody>
@@ -4615,7 +4637,7 @@
           <p:nvPr/>
         </p:nvPicPr>
         <p:blipFill>
-          <a:blip r:embed="rId2">
+          <a:blip r:embed="rId4">
             <a:biLevel thresh="25000"/>
             <a:extLst>
               <a:ext uri="{28A0092B-C50C-407E-A947-70E740481C1C}">
@@ -4646,7 +4668,7 @@
           <p:nvPr/>
         </p:nvPicPr>
         <p:blipFill>
-          <a:blip r:embed="rId3">
+          <a:blip r:embed="rId5">
             <a:biLevel thresh="25000"/>
             <a:extLst>
               <a:ext uri="{28A0092B-C50C-407E-A947-70E740481C1C}">
@@ -4668,241 +4690,6 @@
           </a:prstGeom>
         </p:spPr>
       </p:pic>
-      <p:sp>
-        <p:nvSpPr>
-          <p:cNvPr id="7" name="Subtitle 1"/>
-          <p:cNvSpPr txBox="1">
-            <a:spLocks/>
-          </p:cNvSpPr>
-          <p:nvPr/>
-        </p:nvSpPr>
-        <p:spPr>
-          <a:xfrm>
-            <a:off x="4322585" y="5132436"/>
-            <a:ext cx="6258329" cy="1460779"/>
-          </a:xfrm>
-          <a:prstGeom prst="rect">
-            <a:avLst/>
-          </a:prstGeom>
-        </p:spPr>
-        <p:txBody>
-          <a:bodyPr lIns="137160" tIns="137160" rIns="137160" bIns="137160" anchor="b" anchorCtr="0">
-            <a:normAutofit fontScale="92500" lnSpcReduction="10000"/>
-          </a:bodyPr>
-          <a:lstStyle>
-            <a:lvl1pPr marL="0" indent="0" algn="l" defTabSz="914052" rtl="0" eaLnBrk="1" latinLnBrk="0" hangingPunct="1">
-              <a:lnSpc>
-                <a:spcPct val="100000"/>
-              </a:lnSpc>
-              <a:spcBef>
-                <a:spcPts val="0"/>
-              </a:spcBef>
-              <a:buSzPct val="90000"/>
-              <a:buFont typeface="Arial" pitchFamily="34" charset="0"/>
-              <a:buNone/>
-              <a:defRPr lang="en-US" sz="2300" b="0" kern="0" spc="0" baseline="0" dirty="0">
-                <a:solidFill>
-                  <a:schemeClr val="tx1"/>
-                </a:solidFill>
-                <a:latin typeface="Segoe UI Light" panose="020B0502040204020203" pitchFamily="34" charset="0"/>
-                <a:ea typeface="Segoe UI Light" panose="020B0502040204020203" pitchFamily="34" charset="0"/>
-                <a:cs typeface="Segoe UI Light" panose="020B0502040204020203" pitchFamily="34" charset="0"/>
-              </a:defRPr>
-            </a:lvl1pPr>
-            <a:lvl2pPr marL="457044" indent="0" algn="ctr" defTabSz="914088" rtl="0" eaLnBrk="1" latinLnBrk="0" hangingPunct="1">
-              <a:spcBef>
-                <a:spcPts val="300"/>
-              </a:spcBef>
-              <a:spcAft>
-                <a:spcPts val="300"/>
-              </a:spcAft>
-              <a:buFont typeface="Arial" pitchFamily="34" charset="0"/>
-              <a:buNone/>
-              <a:defRPr sz="2800" kern="0" baseline="0">
-                <a:solidFill>
-                  <a:schemeClr val="tx1">
-                    <a:tint val="75000"/>
-                  </a:schemeClr>
-                </a:solidFill>
-                <a:latin typeface="Segoe UI Light" panose="020B0502040204020203" pitchFamily="34" charset="0"/>
-                <a:ea typeface="Segoe UI Light" panose="020B0502040204020203" pitchFamily="34" charset="0"/>
-                <a:cs typeface="Segoe UI Light" panose="020B0502040204020203" pitchFamily="34" charset="0"/>
-              </a:defRPr>
-            </a:lvl2pPr>
-            <a:lvl3pPr marL="914088" indent="0" algn="ctr" defTabSz="914088" rtl="0" eaLnBrk="1" latinLnBrk="0" hangingPunct="1">
-              <a:spcBef>
-                <a:spcPts val="200"/>
-              </a:spcBef>
-              <a:spcAft>
-                <a:spcPts val="200"/>
-              </a:spcAft>
-              <a:buFont typeface="Arial" pitchFamily="34" charset="0"/>
-              <a:buNone/>
-              <a:defRPr sz="2400" kern="0" baseline="0">
-                <a:solidFill>
-                  <a:schemeClr val="tx1">
-                    <a:tint val="75000"/>
-                  </a:schemeClr>
-                </a:solidFill>
-                <a:latin typeface="Segoe UI Light" panose="020B0502040204020203" pitchFamily="34" charset="0"/>
-                <a:ea typeface="Segoe UI Light" panose="020B0502040204020203" pitchFamily="34" charset="0"/>
-                <a:cs typeface="Segoe UI Light" panose="020B0502040204020203" pitchFamily="34" charset="0"/>
-              </a:defRPr>
-            </a:lvl3pPr>
-            <a:lvl4pPr marL="1371133" indent="0" algn="ctr" defTabSz="914088" rtl="0" eaLnBrk="1" latinLnBrk="0" hangingPunct="1">
-              <a:spcBef>
-                <a:spcPct val="20000"/>
-              </a:spcBef>
-              <a:buFont typeface="Arial" pitchFamily="34" charset="0"/>
-              <a:buNone/>
-              <a:defRPr sz="2000" kern="0" baseline="0">
-                <a:solidFill>
-                  <a:schemeClr val="tx1">
-                    <a:tint val="75000"/>
-                  </a:schemeClr>
-                </a:solidFill>
-                <a:latin typeface="Segoe UI Light" panose="020B0502040204020203" pitchFamily="34" charset="0"/>
-                <a:ea typeface="Segoe UI Light" panose="020B0502040204020203" pitchFamily="34" charset="0"/>
-                <a:cs typeface="Segoe UI Light" panose="020B0502040204020203" pitchFamily="34" charset="0"/>
-              </a:defRPr>
-            </a:lvl4pPr>
-            <a:lvl5pPr marL="1828178" indent="0" algn="ctr" defTabSz="914088" rtl="0" eaLnBrk="1" latinLnBrk="0" hangingPunct="1">
-              <a:spcBef>
-                <a:spcPct val="20000"/>
-              </a:spcBef>
-              <a:buFont typeface="Arial" pitchFamily="34" charset="0"/>
-              <a:buNone/>
-              <a:defRPr sz="2000" kern="0" baseline="0">
-                <a:solidFill>
-                  <a:schemeClr val="tx1">
-                    <a:tint val="75000"/>
-                  </a:schemeClr>
-                </a:solidFill>
-                <a:latin typeface="Segoe UI Light" panose="020B0502040204020203" pitchFamily="34" charset="0"/>
-                <a:ea typeface="Segoe UI Light" panose="020B0502040204020203" pitchFamily="34" charset="0"/>
-                <a:cs typeface="Segoe UI Light" panose="020B0502040204020203" pitchFamily="34" charset="0"/>
-              </a:defRPr>
-            </a:lvl5pPr>
-            <a:lvl6pPr marL="2285222" indent="0" algn="ctr" defTabSz="914088" rtl="0" eaLnBrk="1" latinLnBrk="0" hangingPunct="1">
-              <a:spcBef>
-                <a:spcPct val="20000"/>
-              </a:spcBef>
-              <a:buFont typeface="Arial" pitchFamily="34" charset="0"/>
-              <a:buNone/>
-              <a:defRPr sz="2000" kern="1200">
-                <a:solidFill>
-                  <a:schemeClr val="tx1">
-                    <a:tint val="75000"/>
-                  </a:schemeClr>
-                </a:solidFill>
-                <a:latin typeface="+mn-lt"/>
-                <a:ea typeface="+mn-ea"/>
-                <a:cs typeface="+mn-cs"/>
-              </a:defRPr>
-            </a:lvl6pPr>
-            <a:lvl7pPr marL="2742267" indent="0" algn="ctr" defTabSz="914088" rtl="0" eaLnBrk="1" latinLnBrk="0" hangingPunct="1">
-              <a:spcBef>
-                <a:spcPct val="20000"/>
-              </a:spcBef>
-              <a:buFont typeface="Arial" pitchFamily="34" charset="0"/>
-              <a:buNone/>
-              <a:defRPr sz="2000" kern="1200">
-                <a:solidFill>
-                  <a:schemeClr val="tx1">
-                    <a:tint val="75000"/>
-                  </a:schemeClr>
-                </a:solidFill>
-                <a:latin typeface="+mn-lt"/>
-                <a:ea typeface="+mn-ea"/>
-                <a:cs typeface="+mn-cs"/>
-              </a:defRPr>
-            </a:lvl7pPr>
-            <a:lvl8pPr marL="3199311" indent="0" algn="ctr" defTabSz="914088" rtl="0" eaLnBrk="1" latinLnBrk="0" hangingPunct="1">
-              <a:spcBef>
-                <a:spcPct val="20000"/>
-              </a:spcBef>
-              <a:buFont typeface="Arial" pitchFamily="34" charset="0"/>
-              <a:buNone/>
-              <a:defRPr sz="2000" kern="1200">
-                <a:solidFill>
-                  <a:schemeClr val="tx1">
-                    <a:tint val="75000"/>
-                  </a:schemeClr>
-                </a:solidFill>
-                <a:latin typeface="+mn-lt"/>
-                <a:ea typeface="+mn-ea"/>
-                <a:cs typeface="+mn-cs"/>
-              </a:defRPr>
-            </a:lvl8pPr>
-            <a:lvl9pPr marL="3656358" indent="0" algn="ctr" defTabSz="914088" rtl="0" eaLnBrk="1" latinLnBrk="0" hangingPunct="1">
-              <a:spcBef>
-                <a:spcPct val="20000"/>
-              </a:spcBef>
-              <a:buFont typeface="Arial" pitchFamily="34" charset="0"/>
-              <a:buNone/>
-              <a:defRPr sz="2000" kern="1200">
-                <a:solidFill>
-                  <a:schemeClr val="tx1">
-                    <a:tint val="75000"/>
-                  </a:schemeClr>
-                </a:solidFill>
-                <a:latin typeface="+mn-lt"/>
-                <a:ea typeface="+mn-ea"/>
-                <a:cs typeface="+mn-cs"/>
-              </a:defRPr>
-            </a:lvl9pPr>
-          </a:lstStyle>
-          <a:p>
-            <a:r>
-              <a:rPr lang="pt-BR" dirty="0"/>
-              <a:t>Gustavo </a:t>
-            </a:r>
-            <a:r>
-              <a:rPr lang="pt-BR" dirty="0" err="1"/>
-              <a:t>Zimmerman</a:t>
-            </a:r>
-            <a:endParaRPr lang="pt-BR" dirty="0"/>
-          </a:p>
-          <a:p>
-            <a:r>
-              <a:rPr lang="pt-BR" dirty="0"/>
-              <a:t>Technology </a:t>
-            </a:r>
-            <a:r>
-              <a:rPr lang="pt-BR" dirty="0" err="1"/>
-              <a:t>Solution</a:t>
-            </a:r>
-            <a:r>
-              <a:rPr lang="pt-BR" dirty="0"/>
-              <a:t> Professional </a:t>
-            </a:r>
-          </a:p>
-          <a:p>
-            <a:r>
-              <a:rPr lang="pt-BR" dirty="0" err="1"/>
-              <a:t>Cloud</a:t>
-            </a:r>
-            <a:r>
-              <a:rPr lang="pt-BR" dirty="0"/>
-              <a:t> </a:t>
-            </a:r>
-            <a:r>
-              <a:rPr lang="pt-BR" dirty="0" err="1"/>
-              <a:t>and</a:t>
-            </a:r>
-            <a:r>
-              <a:rPr lang="pt-BR" dirty="0"/>
-              <a:t> Datacenter Management MVP</a:t>
-            </a:r>
-          </a:p>
-          <a:p>
-            <a:r>
-              <a:rPr lang="pt-BR" dirty="0"/>
-              <a:t>Gustavo@gm9.com.br</a:t>
-            </a:r>
-          </a:p>
-        </p:txBody>
-      </p:sp>
     </p:spTree>
     <p:extLst>
       <p:ext uri="{BB962C8B-B14F-4D97-AF65-F5344CB8AC3E}">
@@ -10260,7 +10047,6 @@
               <a:rPr lang="en-US" dirty="0"/>
               <a:t> no SDK do Azure para .NET</a:t>
             </a:r>
-            <a:endParaRPr lang="en-US" dirty="0"/>
           </a:p>
         </p:txBody>
       </p:sp>
@@ -10397,7 +10183,6 @@
               <a:rPr lang="en-US" dirty="0"/>
               <a:t> no SDK do Azure para .NET</a:t>
             </a:r>
-            <a:endParaRPr lang="en-US" dirty="0"/>
           </a:p>
         </p:txBody>
       </p:sp>
